--- a/Learning Phase/Week 5/Day 5/1. React with Redux/Slides/2. Actions, Stores, and Reducers/actions-stores-and-reducers-slides.pptx
+++ b/Learning Phase/Week 5/Day 5/1. React with Redux/Slides/2. Actions, Stores, and Reducers/actions-stores-and-reducers-slides.pptx
@@ -246,7 +246,7 @@
           <a:p>
             <a:fld id="{3EFD42F7-718C-4B98-AAEC-167E6DDD60A7}" type="datetimeFigureOut">
               <a:rPr lang="en-US" smtClean="0"/>
-              <a:t>12/30/2024</a:t>
+              <a:t>12/31/2024</a:t>
             </a:fld>
             <a:endParaRPr lang="en-US"/>
           </a:p>
@@ -647,7 +647,7 @@
           <a:p>
             <a:fld id="{1D8BD707-D9CF-40AE-B4C6-C98DA3205C09}" type="datetimeFigureOut">
               <a:rPr lang="en-US"/>
-              <a:t>12/30/2024</a:t>
+              <a:t>12/31/2024</a:t>
             </a:fld>
             <a:endParaRPr lang="en-US"/>
           </a:p>
@@ -820,7 +820,7 @@
           <a:p>
             <a:fld id="{1D8BD707-D9CF-40AE-B4C6-C98DA3205C09}" type="datetimeFigureOut">
               <a:rPr lang="en-US"/>
-              <a:t>12/30/2024</a:t>
+              <a:t>12/31/2024</a:t>
             </a:fld>
             <a:endParaRPr lang="en-US"/>
           </a:p>
@@ -1036,7 +1036,7 @@
           <a:p>
             <a:fld id="{1D8BD707-D9CF-40AE-B4C6-C98DA3205C09}" type="datetimeFigureOut">
               <a:rPr lang="en-US"/>
-              <a:t>12/30/2024</a:t>
+              <a:t>12/31/2024</a:t>
             </a:fld>
             <a:endParaRPr lang="en-US"/>
           </a:p>
@@ -1194,7 +1194,7 @@
           <a:p>
             <a:fld id="{1D8BD707-D9CF-40AE-B4C6-C98DA3205C09}" type="datetimeFigureOut">
               <a:rPr lang="en-US"/>
-              <a:t>12/30/2024</a:t>
+              <a:t>12/31/2024</a:t>
             </a:fld>
             <a:endParaRPr lang="en-US"/>
           </a:p>
@@ -1315,7 +1315,7 @@
           <a:p>
             <a:fld id="{1D8BD707-D9CF-40AE-B4C6-C98DA3205C09}" type="datetimeFigureOut">
               <a:rPr lang="en-US"/>
-              <a:t>12/30/2024</a:t>
+              <a:t>12/31/2024</a:t>
             </a:fld>
             <a:endParaRPr lang="en-US"/>
           </a:p>
@@ -1536,7 +1536,7 @@
           <a:p>
             <a:fld id="{1D8BD707-D9CF-40AE-B4C6-C98DA3205C09}" type="datetimeFigureOut">
               <a:rPr lang="en-US"/>
-              <a:t>12/30/2024</a:t>
+              <a:t>12/31/2024</a:t>
             </a:fld>
             <a:endParaRPr lang="en-US"/>
           </a:p>
@@ -9244,6 +9244,50 @@
               <a:t>John Doe</a:t>
             </a:r>
             <a:r>
+              <a:rPr sz="2400" spc="-5">
+                <a:solidFill>
+                  <a:srgbClr val="404040"/>
+                </a:solidFill>
+                <a:latin typeface="Courier New" panose="02070309020205020404"/>
+                <a:cs typeface="Courier New" panose="02070309020205020404"/>
+              </a:rPr>
+              <a:t>' </a:t>
+            </a:r>
+            <a:r>
+              <a:rPr sz="2400">
+                <a:solidFill>
+                  <a:srgbClr val="404040"/>
+                </a:solidFill>
+                <a:latin typeface="Courier New" panose="02070309020205020404"/>
+                <a:cs typeface="Courier New" panose="02070309020205020404"/>
+              </a:rPr>
+              <a:t> </a:t>
+            </a:r>
+            <a:endParaRPr lang="en-US" sz="2400">
+              <a:solidFill>
+                <a:srgbClr val="404040"/>
+              </a:solidFill>
+              <a:latin typeface="Courier New" panose="02070309020205020404"/>
+              <a:cs typeface="Courier New" panose="02070309020205020404"/>
+            </a:endParaRPr>
+          </a:p>
+          <a:p>
+            <a:pPr marL="598805" marR="5080">
+              <a:lnSpc>
+                <a:spcPct val="163000"/>
+              </a:lnSpc>
+            </a:pPr>
+            <a:r>
+              <a:rPr sz="2400" spc="-5">
+                <a:solidFill>
+                  <a:srgbClr val="404040"/>
+                </a:solidFill>
+                <a:latin typeface="Courier New" panose="02070309020205020404"/>
+                <a:cs typeface="Courier New" panose="02070309020205020404"/>
+              </a:rPr>
+              <a:t>role</a:t>
+            </a:r>
+            <a:r>
               <a:rPr sz="2400" spc="-5" dirty="0">
                 <a:solidFill>
                   <a:srgbClr val="404040"/>
@@ -9251,27 +9295,7 @@
                 <a:latin typeface="Courier New" panose="02070309020205020404"/>
                 <a:cs typeface="Courier New" panose="02070309020205020404"/>
               </a:rPr>
-              <a:t>' </a:t>
-            </a:r>
-            <a:r>
-              <a:rPr sz="2400" dirty="0">
-                <a:solidFill>
-                  <a:srgbClr val="404040"/>
-                </a:solidFill>
-                <a:latin typeface="Courier New" panose="02070309020205020404"/>
-                <a:cs typeface="Courier New" panose="02070309020205020404"/>
-              </a:rPr>
-              <a:t> </a:t>
-            </a:r>
-            <a:r>
-              <a:rPr sz="2400" spc="-5" dirty="0">
-                <a:solidFill>
-                  <a:srgbClr val="404040"/>
-                </a:solidFill>
-                <a:latin typeface="Courier New" panose="02070309020205020404"/>
-                <a:cs typeface="Courier New" panose="02070309020205020404"/>
-              </a:rPr>
-              <a:t>role:</a:t>
+              <a:t>:</a:t>
             </a:r>
             <a:r>
               <a:rPr sz="2400" spc="1510" dirty="0">
